--- a/Presentation1.pptx
+++ b/Presentation1.pptx
@@ -6,6 +6,7 @@
   </p:sldMasterIdLst>
   <p:sldIdLst>
     <p:sldId id="256" r:id="rId2"/>
+    <p:sldId id="257" r:id="rId3"/>
   </p:sldIdLst>
   <p:sldSz cx="12192000" cy="6858000"/>
   <p:notesSz cx="6858000" cy="9144000"/>
@@ -104,6 +105,11 @@
       </a:defRPr>
     </a:lvl9pPr>
   </p:defaultTextStyle>
+  <p:extLst>
+    <p:ext uri="{EFAFB233-063F-42B5-8137-9DF3F51BA10A}">
+      <p15:sldGuideLst xmlns:p15="http://schemas.microsoft.com/office/powerpoint/2012/main"/>
+    </p:ext>
+  </p:extLst>
 </p:presentation>
 </file>
 
@@ -254,7 +260,7 @@
           <a:p>
             <a:fld id="{6DDB5D61-1C6E-4793-989B-B979D12B89BE}" type="datetimeFigureOut">
               <a:rPr lang="en-US" smtClean="0"/>
-              <a:t>11/8/2021</a:t>
+              <a:t>11/10/2021</a:t>
             </a:fld>
             <a:endParaRPr lang="en-US"/>
           </a:p>
@@ -452,7 +458,7 @@
           <a:p>
             <a:fld id="{6DDB5D61-1C6E-4793-989B-B979D12B89BE}" type="datetimeFigureOut">
               <a:rPr lang="en-US" smtClean="0"/>
-              <a:t>11/8/2021</a:t>
+              <a:t>11/10/2021</a:t>
             </a:fld>
             <a:endParaRPr lang="en-US"/>
           </a:p>
@@ -660,7 +666,7 @@
           <a:p>
             <a:fld id="{6DDB5D61-1C6E-4793-989B-B979D12B89BE}" type="datetimeFigureOut">
               <a:rPr lang="en-US" smtClean="0"/>
-              <a:t>11/8/2021</a:t>
+              <a:t>11/10/2021</a:t>
             </a:fld>
             <a:endParaRPr lang="en-US"/>
           </a:p>
@@ -858,7 +864,7 @@
           <a:p>
             <a:fld id="{6DDB5D61-1C6E-4793-989B-B979D12B89BE}" type="datetimeFigureOut">
               <a:rPr lang="en-US" smtClean="0"/>
-              <a:t>11/8/2021</a:t>
+              <a:t>11/10/2021</a:t>
             </a:fld>
             <a:endParaRPr lang="en-US"/>
           </a:p>
@@ -1133,7 +1139,7 @@
           <a:p>
             <a:fld id="{6DDB5D61-1C6E-4793-989B-B979D12B89BE}" type="datetimeFigureOut">
               <a:rPr lang="en-US" smtClean="0"/>
-              <a:t>11/8/2021</a:t>
+              <a:t>11/10/2021</a:t>
             </a:fld>
             <a:endParaRPr lang="en-US"/>
           </a:p>
@@ -1398,7 +1404,7 @@
           <a:p>
             <a:fld id="{6DDB5D61-1C6E-4793-989B-B979D12B89BE}" type="datetimeFigureOut">
               <a:rPr lang="en-US" smtClean="0"/>
-              <a:t>11/8/2021</a:t>
+              <a:t>11/10/2021</a:t>
             </a:fld>
             <a:endParaRPr lang="en-US"/>
           </a:p>
@@ -1810,7 +1816,7 @@
           <a:p>
             <a:fld id="{6DDB5D61-1C6E-4793-989B-B979D12B89BE}" type="datetimeFigureOut">
               <a:rPr lang="en-US" smtClean="0"/>
-              <a:t>11/8/2021</a:t>
+              <a:t>11/10/2021</a:t>
             </a:fld>
             <a:endParaRPr lang="en-US"/>
           </a:p>
@@ -1951,7 +1957,7 @@
           <a:p>
             <a:fld id="{6DDB5D61-1C6E-4793-989B-B979D12B89BE}" type="datetimeFigureOut">
               <a:rPr lang="en-US" smtClean="0"/>
-              <a:t>11/8/2021</a:t>
+              <a:t>11/10/2021</a:t>
             </a:fld>
             <a:endParaRPr lang="en-US"/>
           </a:p>
@@ -2064,7 +2070,7 @@
           <a:p>
             <a:fld id="{6DDB5D61-1C6E-4793-989B-B979D12B89BE}" type="datetimeFigureOut">
               <a:rPr lang="en-US" smtClean="0"/>
-              <a:t>11/8/2021</a:t>
+              <a:t>11/10/2021</a:t>
             </a:fld>
             <a:endParaRPr lang="en-US"/>
           </a:p>
@@ -2375,7 +2381,7 @@
           <a:p>
             <a:fld id="{6DDB5D61-1C6E-4793-989B-B979D12B89BE}" type="datetimeFigureOut">
               <a:rPr lang="en-US" smtClean="0"/>
-              <a:t>11/8/2021</a:t>
+              <a:t>11/10/2021</a:t>
             </a:fld>
             <a:endParaRPr lang="en-US"/>
           </a:p>
@@ -2663,7 +2669,7 @@
           <a:p>
             <a:fld id="{6DDB5D61-1C6E-4793-989B-B979D12B89BE}" type="datetimeFigureOut">
               <a:rPr lang="en-US" smtClean="0"/>
-              <a:t>11/8/2021</a:t>
+              <a:t>11/10/2021</a:t>
             </a:fld>
             <a:endParaRPr lang="en-US"/>
           </a:p>
@@ -2904,7 +2910,7 @@
           <a:p>
             <a:fld id="{6DDB5D61-1C6E-4793-989B-B979D12B89BE}" type="datetimeFigureOut">
               <a:rPr lang="en-US" smtClean="0"/>
-              <a:t>11/8/2021</a:t>
+              <a:t>11/10/2021</a:t>
             </a:fld>
             <a:endParaRPr lang="en-US"/>
           </a:p>
@@ -3587,7 +3593,7 @@
               <p:spPr>
                 <a:xfrm>
                   <a:off x="8353211" y="2265378"/>
-                  <a:ext cx="361766" cy="369332"/>
+                  <a:ext cx="399597" cy="369332"/>
                 </a:xfrm>
                 <a:prstGeom prst="rect">
                   <a:avLst/>
@@ -3600,6 +3606,7 @@
                 </a:bodyPr>
                 <a:lstStyle/>
                 <a:p>
+                  <a:pPr/>
                   <a14:m>
                     <m:oMathPara xmlns:m="http://schemas.openxmlformats.org/officeDocument/2006/math">
                       <m:oMathParaPr>
@@ -3611,12 +3618,14 @@
                             <a:latin typeface="Cambria Math" panose="02040503050406030204" pitchFamily="18" charset="0"/>
                             <a:ea typeface="Cambria Math" panose="02040503050406030204" pitchFamily="18" charset="0"/>
                           </a:rPr>
-                          <m:t>𝜆</m:t>
+                          <m:t>𝜑</m:t>
                         </m:r>
                       </m:oMath>
                     </m:oMathPara>
                   </a14:m>
-                  <a:endParaRPr lang="en-US" b="0" dirty="0"/>
+                  <a:endParaRPr lang="en-US" b="0" dirty="0">
+                    <a:ea typeface="Cambria Math" panose="02040503050406030204" pitchFamily="18" charset="0"/>
+                  </a:endParaRPr>
                 </a:p>
               </p:txBody>
             </p:sp>
@@ -3639,7 +3648,7 @@
               <p:spPr>
                 <a:xfrm>
                   <a:off x="8353211" y="2265378"/>
-                  <a:ext cx="361766" cy="369332"/>
+                  <a:ext cx="399597" cy="369332"/>
                 </a:xfrm>
                 <a:prstGeom prst="rect">
                   <a:avLst/>
@@ -3647,7 +3656,7 @@
                 <a:blipFill>
                   <a:blip r:embed="rId2"/>
                   <a:stretch>
-                    <a:fillRect/>
+                    <a:fillRect b="-6667"/>
                   </a:stretch>
                 </a:blipFill>
               </p:spPr>
@@ -3683,7 +3692,7 @@
               <p:spPr>
                 <a:xfrm>
                   <a:off x="7777349" y="3022766"/>
-                  <a:ext cx="575862" cy="276999"/>
+                  <a:ext cx="600613" cy="276999"/>
                 </a:xfrm>
                 <a:prstGeom prst="rect">
                   <a:avLst/>
@@ -3696,6 +3705,7 @@
                 </a:bodyPr>
                 <a:lstStyle/>
                 <a:p>
+                  <a:pPr/>
                   <a14:m>
                     <m:oMathPara xmlns:m="http://schemas.openxmlformats.org/officeDocument/2006/math">
                       <m:oMathParaPr>
@@ -3707,7 +3717,7 @@
                             <a:latin typeface="Cambria Math" panose="02040503050406030204" pitchFamily="18" charset="0"/>
                             <a:ea typeface="Cambria Math" panose="02040503050406030204" pitchFamily="18" charset="0"/>
                           </a:rPr>
-                          <m:t>𝜆</m:t>
+                          <m:t>𝜑</m:t>
                         </m:r>
                         <m:r>
                           <a:rPr lang="en-US" sz="1200" b="0" i="1" smtClean="0">
@@ -3749,7 +3759,7 @@
               <p:spPr>
                 <a:xfrm>
                   <a:off x="7777349" y="3022766"/>
-                  <a:ext cx="575862" cy="276999"/>
+                  <a:ext cx="600613" cy="276999"/>
                 </a:xfrm>
                 <a:prstGeom prst="rect">
                   <a:avLst/>
@@ -3793,7 +3803,7 @@
               <p:spPr>
                 <a:xfrm>
                   <a:off x="8714977" y="3022766"/>
-                  <a:ext cx="575863" cy="276999"/>
+                  <a:ext cx="600613" cy="276999"/>
                 </a:xfrm>
                 <a:prstGeom prst="rect">
                   <a:avLst/>
@@ -3806,6 +3816,7 @@
                 </a:bodyPr>
                 <a:lstStyle/>
                 <a:p>
+                  <a:pPr/>
                   <a14:m>
                     <m:oMathPara xmlns:m="http://schemas.openxmlformats.org/officeDocument/2006/math">
                       <m:oMathParaPr>
@@ -3817,7 +3828,7 @@
                             <a:latin typeface="Cambria Math" panose="02040503050406030204" pitchFamily="18" charset="0"/>
                             <a:ea typeface="Cambria Math" panose="02040503050406030204" pitchFamily="18" charset="0"/>
                           </a:rPr>
-                          <m:t>𝜆</m:t>
+                          <m:t>𝜑</m:t>
                         </m:r>
                         <m:r>
                           <a:rPr lang="en-US" sz="1200" b="0" i="1" smtClean="0">
@@ -3859,7 +3870,7 @@
               <p:spPr>
                 <a:xfrm>
                   <a:off x="8714977" y="3022766"/>
-                  <a:ext cx="575863" cy="276999"/>
+                  <a:ext cx="600613" cy="276999"/>
                 </a:xfrm>
                 <a:prstGeom prst="rect">
                   <a:avLst/>
@@ -4580,6 +4591,1462 @@
 </p:sld>
 </file>
 
+<file path=ppt/slides/slide2.xml><?xml version="1.0" encoding="utf-8"?>
+<p:sld xmlns:a="http://schemas.openxmlformats.org/drawingml/2006/main" xmlns:r="http://schemas.openxmlformats.org/officeDocument/2006/relationships" xmlns:p="http://schemas.openxmlformats.org/presentationml/2006/main">
+  <p:cSld>
+    <p:spTree>
+      <p:nvGrpSpPr>
+        <p:cNvPr id="1" name=""/>
+        <p:cNvGrpSpPr/>
+        <p:nvPr/>
+      </p:nvGrpSpPr>
+      <p:grpSpPr>
+        <a:xfrm>
+          <a:off x="0" y="0"/>
+          <a:ext cx="0" cy="0"/>
+          <a:chOff x="0" y="0"/>
+          <a:chExt cx="0" cy="0"/>
+        </a:xfrm>
+      </p:grpSpPr>
+      <p:grpSp>
+        <p:nvGrpSpPr>
+          <p:cNvPr id="29" name="Group 28">
+            <a:extLst>
+              <a:ext uri="{FF2B5EF4-FFF2-40B4-BE49-F238E27FC236}">
+                <a16:creationId xmlns:a16="http://schemas.microsoft.com/office/drawing/2014/main" id="{CD483783-52F6-4DB8-AB55-E8142AF21AE7}"/>
+              </a:ext>
+            </a:extLst>
+          </p:cNvPr>
+          <p:cNvGrpSpPr/>
+          <p:nvPr/>
+        </p:nvGrpSpPr>
+        <p:grpSpPr>
+          <a:xfrm>
+            <a:off x="2247991" y="399461"/>
+            <a:ext cx="6333976" cy="5235453"/>
+            <a:chOff x="2247991" y="399461"/>
+            <a:chExt cx="6333976" cy="5235453"/>
+          </a:xfrm>
+        </p:grpSpPr>
+        <p:sp>
+          <p:nvSpPr>
+            <p:cNvPr id="2" name="Rectangle 1">
+              <a:extLst>
+                <a:ext uri="{FF2B5EF4-FFF2-40B4-BE49-F238E27FC236}">
+                  <a16:creationId xmlns:a16="http://schemas.microsoft.com/office/drawing/2014/main" id="{20BA132B-C3A0-4AC1-9233-87C3666A8D14}"/>
+                </a:ext>
+              </a:extLst>
+            </p:cNvPr>
+            <p:cNvSpPr/>
+            <p:nvPr/>
+          </p:nvSpPr>
+          <p:spPr>
+            <a:xfrm>
+              <a:off x="2714080" y="768794"/>
+              <a:ext cx="2667485" cy="2294736"/>
+            </a:xfrm>
+            <a:prstGeom prst="rect">
+              <a:avLst/>
+            </a:prstGeom>
+            <a:noFill/>
+            <a:ln w="28575">
+              <a:solidFill>
+                <a:schemeClr val="tx1"/>
+              </a:solidFill>
+            </a:ln>
+          </p:spPr>
+          <p:style>
+            <a:lnRef idx="2">
+              <a:schemeClr val="accent1">
+                <a:shade val="50000"/>
+              </a:schemeClr>
+            </a:lnRef>
+            <a:fillRef idx="1">
+              <a:schemeClr val="accent1"/>
+            </a:fillRef>
+            <a:effectRef idx="0">
+              <a:schemeClr val="accent1"/>
+            </a:effectRef>
+            <a:fontRef idx="minor">
+              <a:schemeClr val="lt1"/>
+            </a:fontRef>
+          </p:style>
+          <p:txBody>
+            <a:bodyPr rtlCol="0" anchor="ctr"/>
+            <a:lstStyle/>
+            <a:p>
+              <a:pPr algn="ctr"/>
+              <a:endParaRPr lang="en-US"/>
+            </a:p>
+          </p:txBody>
+        </p:sp>
+        <p:sp>
+          <p:nvSpPr>
+            <p:cNvPr id="3" name="Rectangle 2">
+              <a:extLst>
+                <a:ext uri="{FF2B5EF4-FFF2-40B4-BE49-F238E27FC236}">
+                  <a16:creationId xmlns:a16="http://schemas.microsoft.com/office/drawing/2014/main" id="{9035C154-8C52-4F9B-8F5F-BB76E4031C9A}"/>
+                </a:ext>
+              </a:extLst>
+            </p:cNvPr>
+            <p:cNvSpPr/>
+            <p:nvPr/>
+          </p:nvSpPr>
+          <p:spPr>
+            <a:xfrm>
+              <a:off x="4172075" y="2343268"/>
+              <a:ext cx="2667485" cy="2294736"/>
+            </a:xfrm>
+            <a:prstGeom prst="rect">
+              <a:avLst/>
+            </a:prstGeom>
+            <a:noFill/>
+            <a:ln w="28575">
+              <a:solidFill>
+                <a:schemeClr val="tx1"/>
+              </a:solidFill>
+            </a:ln>
+          </p:spPr>
+          <p:style>
+            <a:lnRef idx="2">
+              <a:schemeClr val="accent1">
+                <a:shade val="50000"/>
+              </a:schemeClr>
+            </a:lnRef>
+            <a:fillRef idx="1">
+              <a:schemeClr val="accent1"/>
+            </a:fillRef>
+            <a:effectRef idx="0">
+              <a:schemeClr val="accent1"/>
+            </a:effectRef>
+            <a:fontRef idx="minor">
+              <a:schemeClr val="lt1"/>
+            </a:fontRef>
+          </p:style>
+          <p:txBody>
+            <a:bodyPr rtlCol="0" anchor="ctr"/>
+            <a:lstStyle/>
+            <a:p>
+              <a:pPr algn="ctr"/>
+              <a:endParaRPr lang="en-US"/>
+            </a:p>
+          </p:txBody>
+        </p:sp>
+        <p:sp>
+          <p:nvSpPr>
+            <p:cNvPr id="4" name="Rectangle 3">
+              <a:extLst>
+                <a:ext uri="{FF2B5EF4-FFF2-40B4-BE49-F238E27FC236}">
+                  <a16:creationId xmlns:a16="http://schemas.microsoft.com/office/drawing/2014/main" id="{80B2D1D2-DFBC-49AA-91E4-5F6456F766A6}"/>
+                </a:ext>
+              </a:extLst>
+            </p:cNvPr>
+            <p:cNvSpPr/>
+            <p:nvPr/>
+          </p:nvSpPr>
+          <p:spPr>
+            <a:xfrm>
+              <a:off x="5914482" y="3340178"/>
+              <a:ext cx="2667485" cy="2294736"/>
+            </a:xfrm>
+            <a:prstGeom prst="rect">
+              <a:avLst/>
+            </a:prstGeom>
+            <a:noFill/>
+            <a:ln w="28575">
+              <a:solidFill>
+                <a:schemeClr val="tx1"/>
+              </a:solidFill>
+            </a:ln>
+          </p:spPr>
+          <p:style>
+            <a:lnRef idx="2">
+              <a:schemeClr val="accent1">
+                <a:shade val="50000"/>
+              </a:schemeClr>
+            </a:lnRef>
+            <a:fillRef idx="1">
+              <a:schemeClr val="accent1"/>
+            </a:fillRef>
+            <a:effectRef idx="0">
+              <a:schemeClr val="accent1"/>
+            </a:effectRef>
+            <a:fontRef idx="minor">
+              <a:schemeClr val="lt1"/>
+            </a:fontRef>
+          </p:style>
+          <p:txBody>
+            <a:bodyPr rtlCol="0" anchor="ctr"/>
+            <a:lstStyle/>
+            <a:p>
+              <a:pPr algn="ctr"/>
+              <a:endParaRPr lang="en-US"/>
+            </a:p>
+          </p:txBody>
+        </p:sp>
+        <p:sp>
+          <p:nvSpPr>
+            <p:cNvPr id="5" name="TextBox 4">
+              <a:extLst>
+                <a:ext uri="{FF2B5EF4-FFF2-40B4-BE49-F238E27FC236}">
+                  <a16:creationId xmlns:a16="http://schemas.microsoft.com/office/drawing/2014/main" id="{97D4AD40-583F-4265-BC6C-7BDBC4C49553}"/>
+                </a:ext>
+              </a:extLst>
+            </p:cNvPr>
+            <p:cNvSpPr txBox="1"/>
+            <p:nvPr/>
+          </p:nvSpPr>
+          <p:spPr>
+            <a:xfrm>
+              <a:off x="4355978" y="834569"/>
+              <a:ext cx="929742" cy="369332"/>
+            </a:xfrm>
+            <a:prstGeom prst="rect">
+              <a:avLst/>
+            </a:prstGeom>
+            <a:noFill/>
+          </p:spPr>
+          <p:txBody>
+            <a:bodyPr wrap="none" rtlCol="0">
+              <a:spAutoFit/>
+            </a:bodyPr>
+            <a:lstStyle/>
+            <a:p>
+              <a:r>
+                <a:rPr lang="en-US" dirty="0"/>
+                <a:t>Image 0</a:t>
+              </a:r>
+            </a:p>
+          </p:txBody>
+        </p:sp>
+        <p:sp>
+          <p:nvSpPr>
+            <p:cNvPr id="6" name="TextBox 5">
+              <a:extLst>
+                <a:ext uri="{FF2B5EF4-FFF2-40B4-BE49-F238E27FC236}">
+                  <a16:creationId xmlns:a16="http://schemas.microsoft.com/office/drawing/2014/main" id="{85CACAFD-9C99-4942-8A0A-D2246206E180}"/>
+                </a:ext>
+              </a:extLst>
+            </p:cNvPr>
+            <p:cNvSpPr txBox="1"/>
+            <p:nvPr/>
+          </p:nvSpPr>
+          <p:spPr>
+            <a:xfrm>
+              <a:off x="5755288" y="2459539"/>
+              <a:ext cx="929742" cy="369332"/>
+            </a:xfrm>
+            <a:prstGeom prst="rect">
+              <a:avLst/>
+            </a:prstGeom>
+            <a:noFill/>
+          </p:spPr>
+          <p:txBody>
+            <a:bodyPr wrap="none" rtlCol="0">
+              <a:spAutoFit/>
+            </a:bodyPr>
+            <a:lstStyle/>
+            <a:p>
+              <a:r>
+                <a:rPr lang="en-US" dirty="0"/>
+                <a:t>Image 1</a:t>
+              </a:r>
+            </a:p>
+          </p:txBody>
+        </p:sp>
+        <p:sp>
+          <p:nvSpPr>
+            <p:cNvPr id="7" name="TextBox 6">
+              <a:extLst>
+                <a:ext uri="{FF2B5EF4-FFF2-40B4-BE49-F238E27FC236}">
+                  <a16:creationId xmlns:a16="http://schemas.microsoft.com/office/drawing/2014/main" id="{81E5C3B7-D890-4C27-8A20-66AC1A5CF3C3}"/>
+                </a:ext>
+              </a:extLst>
+            </p:cNvPr>
+            <p:cNvSpPr txBox="1"/>
+            <p:nvPr/>
+          </p:nvSpPr>
+          <p:spPr>
+            <a:xfrm>
+              <a:off x="7508374" y="3490636"/>
+              <a:ext cx="929742" cy="369332"/>
+            </a:xfrm>
+            <a:prstGeom prst="rect">
+              <a:avLst/>
+            </a:prstGeom>
+            <a:noFill/>
+          </p:spPr>
+          <p:txBody>
+            <a:bodyPr wrap="none" rtlCol="0">
+              <a:spAutoFit/>
+            </a:bodyPr>
+            <a:lstStyle/>
+            <a:p>
+              <a:r>
+                <a:rPr lang="en-US" dirty="0"/>
+                <a:t>Image 2</a:t>
+              </a:r>
+            </a:p>
+          </p:txBody>
+        </p:sp>
+        <mc:AlternateContent xmlns:mc="http://schemas.openxmlformats.org/markup-compatibility/2006">
+          <mc:Choice xmlns:a14="http://schemas.microsoft.com/office/drawing/2010/main" Requires="a14">
+            <p:sp>
+              <p:nvSpPr>
+                <p:cNvPr id="13" name="TextBox 12">
+                  <a:extLst>
+                    <a:ext uri="{FF2B5EF4-FFF2-40B4-BE49-F238E27FC236}">
+                      <a16:creationId xmlns:a16="http://schemas.microsoft.com/office/drawing/2014/main" id="{D7FFB9BC-BF16-4988-BE35-EB403E40D26B}"/>
+                    </a:ext>
+                  </a:extLst>
+                </p:cNvPr>
+                <p:cNvSpPr txBox="1"/>
+                <p:nvPr/>
+              </p:nvSpPr>
+              <p:spPr>
+                <a:xfrm>
+                  <a:off x="3118923" y="399461"/>
+                  <a:ext cx="466089" cy="369332"/>
+                </a:xfrm>
+                <a:prstGeom prst="rect">
+                  <a:avLst/>
+                </a:prstGeom>
+                <a:noFill/>
+              </p:spPr>
+              <p:txBody>
+                <a:bodyPr wrap="none" rtlCol="0">
+                  <a:spAutoFit/>
+                </a:bodyPr>
+                <a:lstStyle/>
+                <a:p>
+                  <a14:m>
+                    <m:oMathPara xmlns:m="http://schemas.openxmlformats.org/officeDocument/2006/math">
+                      <m:oMathParaPr>
+                        <m:jc m:val="centerGroup"/>
+                      </m:oMathParaPr>
+                      <m:oMath xmlns:m="http://schemas.openxmlformats.org/officeDocument/2006/math">
+                        <m:sSub>
+                          <m:sSubPr>
+                            <m:ctrlPr>
+                              <a:rPr lang="en-US" b="0" i="1" smtClean="0">
+                                <a:latin typeface="Cambria Math" panose="02040503050406030204" pitchFamily="18" charset="0"/>
+                              </a:rPr>
+                            </m:ctrlPr>
+                          </m:sSubPr>
+                          <m:e>
+                            <m:r>
+                              <a:rPr lang="en-US" b="0" i="1" smtClean="0">
+                                <a:latin typeface="Cambria Math" panose="02040503050406030204" pitchFamily="18" charset="0"/>
+                              </a:rPr>
+                              <m:t>𝑥</m:t>
+                            </m:r>
+                          </m:e>
+                          <m:sub>
+                            <m:r>
+                              <a:rPr lang="en-US" b="0" i="1" smtClean="0">
+                                <a:latin typeface="Cambria Math" panose="02040503050406030204" pitchFamily="18" charset="0"/>
+                              </a:rPr>
+                              <m:t>0</m:t>
+                            </m:r>
+                          </m:sub>
+                        </m:sSub>
+                      </m:oMath>
+                    </m:oMathPara>
+                  </a14:m>
+                  <a:endParaRPr lang="en-US" dirty="0"/>
+                </a:p>
+              </p:txBody>
+            </p:sp>
+          </mc:Choice>
+          <mc:Fallback>
+            <p:sp>
+              <p:nvSpPr>
+                <p:cNvPr id="13" name="TextBox 12">
+                  <a:extLst>
+                    <a:ext uri="{FF2B5EF4-FFF2-40B4-BE49-F238E27FC236}">
+                      <a16:creationId xmlns:a16="http://schemas.microsoft.com/office/drawing/2014/main" id="{D7FFB9BC-BF16-4988-BE35-EB403E40D26B}"/>
+                    </a:ext>
+                  </a:extLst>
+                </p:cNvPr>
+                <p:cNvSpPr txBox="1">
+                  <a:spLocks noRot="1" noChangeAspect="1" noMove="1" noResize="1" noEditPoints="1" noAdjustHandles="1" noChangeArrowheads="1" noChangeShapeType="1" noTextEdit="1"/>
+                </p:cNvSpPr>
+                <p:nvPr/>
+              </p:nvSpPr>
+              <p:spPr>
+                <a:xfrm>
+                  <a:off x="3118923" y="399461"/>
+                  <a:ext cx="466089" cy="369332"/>
+                </a:xfrm>
+                <a:prstGeom prst="rect">
+                  <a:avLst/>
+                </a:prstGeom>
+                <a:blipFill>
+                  <a:blip r:embed="rId2"/>
+                  <a:stretch>
+                    <a:fillRect/>
+                  </a:stretch>
+                </a:blipFill>
+              </p:spPr>
+              <p:txBody>
+                <a:bodyPr/>
+                <a:lstStyle/>
+                <a:p>
+                  <a:r>
+                    <a:rPr lang="en-US">
+                      <a:noFill/>
+                    </a:rPr>
+                    <a:t> </a:t>
+                  </a:r>
+                </a:p>
+              </p:txBody>
+            </p:sp>
+          </mc:Fallback>
+        </mc:AlternateContent>
+        <mc:AlternateContent xmlns:mc="http://schemas.openxmlformats.org/markup-compatibility/2006">
+          <mc:Choice xmlns:a14="http://schemas.microsoft.com/office/drawing/2010/main" Requires="a14">
+            <p:sp>
+              <p:nvSpPr>
+                <p:cNvPr id="15" name="TextBox 14">
+                  <a:extLst>
+                    <a:ext uri="{FF2B5EF4-FFF2-40B4-BE49-F238E27FC236}">
+                      <a16:creationId xmlns:a16="http://schemas.microsoft.com/office/drawing/2014/main" id="{F62754B0-1137-4037-B11A-4161FB126DFA}"/>
+                    </a:ext>
+                  </a:extLst>
+                </p:cNvPr>
+                <p:cNvSpPr txBox="1"/>
+                <p:nvPr/>
+              </p:nvSpPr>
+              <p:spPr>
+                <a:xfrm>
+                  <a:off x="3440577" y="1885384"/>
+                  <a:ext cx="1257524" cy="391261"/>
+                </a:xfrm>
+                <a:prstGeom prst="rect">
+                  <a:avLst/>
+                </a:prstGeom>
+                <a:noFill/>
+              </p:spPr>
+              <p:txBody>
+                <a:bodyPr wrap="none" rtlCol="0">
+                  <a:spAutoFit/>
+                </a:bodyPr>
+                <a:lstStyle/>
+                <a:p>
+                  <a14:m>
+                    <m:oMathPara xmlns:m="http://schemas.openxmlformats.org/officeDocument/2006/math">
+                      <m:oMathParaPr>
+                        <m:jc m:val="centerGroup"/>
+                      </m:oMathParaPr>
+                      <m:oMath xmlns:m="http://schemas.openxmlformats.org/officeDocument/2006/math">
+                        <m:r>
+                          <a:rPr lang="en-US" b="0" i="1" smtClean="0">
+                            <a:latin typeface="Cambria Math" panose="02040503050406030204" pitchFamily="18" charset="0"/>
+                          </a:rPr>
+                          <m:t>(</m:t>
+                        </m:r>
+                        <m:sSub>
+                          <m:sSubPr>
+                            <m:ctrlPr>
+                              <a:rPr lang="en-US" b="0" i="1" smtClean="0">
+                                <a:latin typeface="Cambria Math" panose="02040503050406030204" pitchFamily="18" charset="0"/>
+                              </a:rPr>
+                            </m:ctrlPr>
+                          </m:sSubPr>
+                          <m:e>
+                            <m:r>
+                              <a:rPr lang="en-US" b="0" i="1" smtClean="0">
+                                <a:latin typeface="Cambria Math" panose="02040503050406030204" pitchFamily="18" charset="0"/>
+                              </a:rPr>
+                              <m:t>𝜆</m:t>
+                            </m:r>
+                          </m:e>
+                          <m:sub>
+                            <m:r>
+                              <a:rPr lang="en-US" b="0" i="1" smtClean="0">
+                                <a:latin typeface="Cambria Math" panose="02040503050406030204" pitchFamily="18" charset="0"/>
+                              </a:rPr>
+                              <m:t>𝑥</m:t>
+                            </m:r>
+                            <m:r>
+                              <a:rPr lang="en-US" b="0" i="1" smtClean="0">
+                                <a:latin typeface="Cambria Math" panose="02040503050406030204" pitchFamily="18" charset="0"/>
+                              </a:rPr>
+                              <m:t>,0</m:t>
+                            </m:r>
+                          </m:sub>
+                        </m:sSub>
+                        <m:r>
+                          <a:rPr lang="en-US" b="0" i="1" smtClean="0">
+                            <a:latin typeface="Cambria Math" panose="02040503050406030204" pitchFamily="18" charset="0"/>
+                          </a:rPr>
+                          <m:t>, </m:t>
+                        </m:r>
+                        <m:sSub>
+                          <m:sSubPr>
+                            <m:ctrlPr>
+                              <a:rPr lang="en-US" b="0" i="1" smtClean="0">
+                                <a:latin typeface="Cambria Math" panose="02040503050406030204" pitchFamily="18" charset="0"/>
+                              </a:rPr>
+                            </m:ctrlPr>
+                          </m:sSubPr>
+                          <m:e>
+                            <m:r>
+                              <a:rPr lang="en-US" b="0" i="1" smtClean="0">
+                                <a:latin typeface="Cambria Math" panose="02040503050406030204" pitchFamily="18" charset="0"/>
+                              </a:rPr>
+                              <m:t>𝜆</m:t>
+                            </m:r>
+                          </m:e>
+                          <m:sub>
+                            <m:r>
+                              <a:rPr lang="en-US" b="0" i="1" smtClean="0">
+                                <a:latin typeface="Cambria Math" panose="02040503050406030204" pitchFamily="18" charset="0"/>
+                              </a:rPr>
+                              <m:t>𝑦</m:t>
+                            </m:r>
+                            <m:r>
+                              <a:rPr lang="en-US" b="0" i="1" smtClean="0">
+                                <a:latin typeface="Cambria Math" panose="02040503050406030204" pitchFamily="18" charset="0"/>
+                              </a:rPr>
+                              <m:t>,0</m:t>
+                            </m:r>
+                          </m:sub>
+                        </m:sSub>
+                        <m:r>
+                          <a:rPr lang="en-US" b="0" i="1" smtClean="0">
+                            <a:latin typeface="Cambria Math" panose="02040503050406030204" pitchFamily="18" charset="0"/>
+                          </a:rPr>
+                          <m:t>)</m:t>
+                        </m:r>
+                      </m:oMath>
+                    </m:oMathPara>
+                  </a14:m>
+                  <a:endParaRPr lang="en-US" dirty="0"/>
+                </a:p>
+              </p:txBody>
+            </p:sp>
+          </mc:Choice>
+          <mc:Fallback>
+            <p:sp>
+              <p:nvSpPr>
+                <p:cNvPr id="15" name="TextBox 14">
+                  <a:extLst>
+                    <a:ext uri="{FF2B5EF4-FFF2-40B4-BE49-F238E27FC236}">
+                      <a16:creationId xmlns:a16="http://schemas.microsoft.com/office/drawing/2014/main" id="{F62754B0-1137-4037-B11A-4161FB126DFA}"/>
+                    </a:ext>
+                  </a:extLst>
+                </p:cNvPr>
+                <p:cNvSpPr txBox="1">
+                  <a:spLocks noRot="1" noChangeAspect="1" noMove="1" noResize="1" noEditPoints="1" noAdjustHandles="1" noChangeArrowheads="1" noChangeShapeType="1" noTextEdit="1"/>
+                </p:cNvSpPr>
+                <p:nvPr/>
+              </p:nvSpPr>
+              <p:spPr>
+                <a:xfrm>
+                  <a:off x="3440577" y="1885384"/>
+                  <a:ext cx="1257524" cy="391261"/>
+                </a:xfrm>
+                <a:prstGeom prst="rect">
+                  <a:avLst/>
+                </a:prstGeom>
+                <a:blipFill>
+                  <a:blip r:embed="rId3"/>
+                  <a:stretch>
+                    <a:fillRect b="-9375"/>
+                  </a:stretch>
+                </a:blipFill>
+              </p:spPr>
+              <p:txBody>
+                <a:bodyPr/>
+                <a:lstStyle/>
+                <a:p>
+                  <a:r>
+                    <a:rPr lang="en-US">
+                      <a:noFill/>
+                    </a:rPr>
+                    <a:t> </a:t>
+                  </a:r>
+                </a:p>
+              </p:txBody>
+            </p:sp>
+          </mc:Fallback>
+        </mc:AlternateContent>
+        <mc:AlternateContent xmlns:mc="http://schemas.openxmlformats.org/markup-compatibility/2006">
+          <mc:Choice xmlns:a14="http://schemas.microsoft.com/office/drawing/2010/main" Requires="a14">
+            <p:sp>
+              <p:nvSpPr>
+                <p:cNvPr id="17" name="TextBox 16">
+                  <a:extLst>
+                    <a:ext uri="{FF2B5EF4-FFF2-40B4-BE49-F238E27FC236}">
+                      <a16:creationId xmlns:a16="http://schemas.microsoft.com/office/drawing/2014/main" id="{0BAF53EB-29C4-4E71-B4A1-519F543060C1}"/>
+                    </a:ext>
+                  </a:extLst>
+                </p:cNvPr>
+                <p:cNvSpPr txBox="1"/>
+                <p:nvPr/>
+              </p:nvSpPr>
+              <p:spPr>
+                <a:xfrm>
+                  <a:off x="2247991" y="1019235"/>
+                  <a:ext cx="466089" cy="369332"/>
+                </a:xfrm>
+                <a:prstGeom prst="rect">
+                  <a:avLst/>
+                </a:prstGeom>
+                <a:noFill/>
+              </p:spPr>
+              <p:txBody>
+                <a:bodyPr wrap="none" rtlCol="0">
+                  <a:spAutoFit/>
+                </a:bodyPr>
+                <a:lstStyle/>
+                <a:p>
+                  <a14:m>
+                    <m:oMathPara xmlns:m="http://schemas.openxmlformats.org/officeDocument/2006/math">
+                      <m:oMathParaPr>
+                        <m:jc m:val="centerGroup"/>
+                      </m:oMathParaPr>
+                      <m:oMath xmlns:m="http://schemas.openxmlformats.org/officeDocument/2006/math">
+                        <m:sSub>
+                          <m:sSubPr>
+                            <m:ctrlPr>
+                              <a:rPr lang="en-US" b="0" i="1" smtClean="0">
+                                <a:latin typeface="Cambria Math" panose="02040503050406030204" pitchFamily="18" charset="0"/>
+                              </a:rPr>
+                            </m:ctrlPr>
+                          </m:sSubPr>
+                          <m:e>
+                            <m:r>
+                              <a:rPr lang="en-US" b="0" i="1" smtClean="0">
+                                <a:latin typeface="Cambria Math" panose="02040503050406030204" pitchFamily="18" charset="0"/>
+                              </a:rPr>
+                              <m:t>𝑦</m:t>
+                            </m:r>
+                          </m:e>
+                          <m:sub>
+                            <m:r>
+                              <a:rPr lang="en-US" b="0" i="1" smtClean="0">
+                                <a:latin typeface="Cambria Math" panose="02040503050406030204" pitchFamily="18" charset="0"/>
+                              </a:rPr>
+                              <m:t>0</m:t>
+                            </m:r>
+                          </m:sub>
+                        </m:sSub>
+                      </m:oMath>
+                    </m:oMathPara>
+                  </a14:m>
+                  <a:endParaRPr lang="en-US" dirty="0"/>
+                </a:p>
+              </p:txBody>
+            </p:sp>
+          </mc:Choice>
+          <mc:Fallback>
+            <p:sp>
+              <p:nvSpPr>
+                <p:cNvPr id="17" name="TextBox 16">
+                  <a:extLst>
+                    <a:ext uri="{FF2B5EF4-FFF2-40B4-BE49-F238E27FC236}">
+                      <a16:creationId xmlns:a16="http://schemas.microsoft.com/office/drawing/2014/main" id="{0BAF53EB-29C4-4E71-B4A1-519F543060C1}"/>
+                    </a:ext>
+                  </a:extLst>
+                </p:cNvPr>
+                <p:cNvSpPr txBox="1">
+                  <a:spLocks noRot="1" noChangeAspect="1" noMove="1" noResize="1" noEditPoints="1" noAdjustHandles="1" noChangeArrowheads="1" noChangeShapeType="1" noTextEdit="1"/>
+                </p:cNvSpPr>
+                <p:nvPr/>
+              </p:nvSpPr>
+              <p:spPr>
+                <a:xfrm>
+                  <a:off x="2247991" y="1019235"/>
+                  <a:ext cx="466089" cy="369332"/>
+                </a:xfrm>
+                <a:prstGeom prst="rect">
+                  <a:avLst/>
+                </a:prstGeom>
+                <a:blipFill>
+                  <a:blip r:embed="rId4"/>
+                  <a:stretch>
+                    <a:fillRect b="-6557"/>
+                  </a:stretch>
+                </a:blipFill>
+              </p:spPr>
+              <p:txBody>
+                <a:bodyPr/>
+                <a:lstStyle/>
+                <a:p>
+                  <a:r>
+                    <a:rPr lang="en-US">
+                      <a:noFill/>
+                    </a:rPr>
+                    <a:t> </a:t>
+                  </a:r>
+                </a:p>
+              </p:txBody>
+            </p:sp>
+          </mc:Fallback>
+        </mc:AlternateContent>
+        <mc:AlternateContent xmlns:mc="http://schemas.openxmlformats.org/markup-compatibility/2006">
+          <mc:Choice xmlns:a14="http://schemas.microsoft.com/office/drawing/2010/main" Requires="a14">
+            <p:sp>
+              <p:nvSpPr>
+                <p:cNvPr id="23" name="TextBox 22">
+                  <a:extLst>
+                    <a:ext uri="{FF2B5EF4-FFF2-40B4-BE49-F238E27FC236}">
+                      <a16:creationId xmlns:a16="http://schemas.microsoft.com/office/drawing/2014/main" id="{ECDF1E15-B8D8-40AF-AF39-4E96A9068A13}"/>
+                    </a:ext>
+                  </a:extLst>
+                </p:cNvPr>
+                <p:cNvSpPr txBox="1"/>
+                <p:nvPr/>
+              </p:nvSpPr>
+              <p:spPr>
+                <a:xfrm>
+                  <a:off x="4465057" y="2343268"/>
+                  <a:ext cx="466089" cy="369332"/>
+                </a:xfrm>
+                <a:prstGeom prst="rect">
+                  <a:avLst/>
+                </a:prstGeom>
+                <a:noFill/>
+              </p:spPr>
+              <p:txBody>
+                <a:bodyPr wrap="none" rtlCol="0">
+                  <a:spAutoFit/>
+                </a:bodyPr>
+                <a:lstStyle/>
+                <a:p>
+                  <a14:m>
+                    <m:oMathPara xmlns:m="http://schemas.openxmlformats.org/officeDocument/2006/math">
+                      <m:oMathParaPr>
+                        <m:jc m:val="centerGroup"/>
+                      </m:oMathParaPr>
+                      <m:oMath xmlns:m="http://schemas.openxmlformats.org/officeDocument/2006/math">
+                        <m:sSub>
+                          <m:sSubPr>
+                            <m:ctrlPr>
+                              <a:rPr lang="en-US" b="0" i="1" smtClean="0">
+                                <a:latin typeface="Cambria Math" panose="02040503050406030204" pitchFamily="18" charset="0"/>
+                              </a:rPr>
+                            </m:ctrlPr>
+                          </m:sSubPr>
+                          <m:e>
+                            <m:r>
+                              <a:rPr lang="en-US" b="0" i="1" smtClean="0">
+                                <a:latin typeface="Cambria Math" panose="02040503050406030204" pitchFamily="18" charset="0"/>
+                              </a:rPr>
+                              <m:t>𝑥</m:t>
+                            </m:r>
+                          </m:e>
+                          <m:sub>
+                            <m:r>
+                              <a:rPr lang="en-US" b="0" i="1" smtClean="0">
+                                <a:latin typeface="Cambria Math" panose="02040503050406030204" pitchFamily="18" charset="0"/>
+                              </a:rPr>
+                              <m:t>1</m:t>
+                            </m:r>
+                          </m:sub>
+                        </m:sSub>
+                      </m:oMath>
+                    </m:oMathPara>
+                  </a14:m>
+                  <a:endParaRPr lang="en-US" dirty="0"/>
+                </a:p>
+              </p:txBody>
+            </p:sp>
+          </mc:Choice>
+          <mc:Fallback>
+            <p:sp>
+              <p:nvSpPr>
+                <p:cNvPr id="23" name="TextBox 22">
+                  <a:extLst>
+                    <a:ext uri="{FF2B5EF4-FFF2-40B4-BE49-F238E27FC236}">
+                      <a16:creationId xmlns:a16="http://schemas.microsoft.com/office/drawing/2014/main" id="{ECDF1E15-B8D8-40AF-AF39-4E96A9068A13}"/>
+                    </a:ext>
+                  </a:extLst>
+                </p:cNvPr>
+                <p:cNvSpPr txBox="1">
+                  <a:spLocks noRot="1" noChangeAspect="1" noMove="1" noResize="1" noEditPoints="1" noAdjustHandles="1" noChangeArrowheads="1" noChangeShapeType="1" noTextEdit="1"/>
+                </p:cNvSpPr>
+                <p:nvPr/>
+              </p:nvSpPr>
+              <p:spPr>
+                <a:xfrm>
+                  <a:off x="4465057" y="2343268"/>
+                  <a:ext cx="466089" cy="369332"/>
+                </a:xfrm>
+                <a:prstGeom prst="rect">
+                  <a:avLst/>
+                </a:prstGeom>
+                <a:blipFill>
+                  <a:blip r:embed="rId5"/>
+                  <a:stretch>
+                    <a:fillRect/>
+                  </a:stretch>
+                </a:blipFill>
+              </p:spPr>
+              <p:txBody>
+                <a:bodyPr/>
+                <a:lstStyle/>
+                <a:p>
+                  <a:r>
+                    <a:rPr lang="en-US">
+                      <a:noFill/>
+                    </a:rPr>
+                    <a:t> </a:t>
+                  </a:r>
+                </a:p>
+              </p:txBody>
+            </p:sp>
+          </mc:Fallback>
+        </mc:AlternateContent>
+        <mc:AlternateContent xmlns:mc="http://schemas.openxmlformats.org/markup-compatibility/2006">
+          <mc:Choice xmlns:a14="http://schemas.microsoft.com/office/drawing/2010/main" Requires="a14">
+            <p:sp>
+              <p:nvSpPr>
+                <p:cNvPr id="24" name="TextBox 23">
+                  <a:extLst>
+                    <a:ext uri="{FF2B5EF4-FFF2-40B4-BE49-F238E27FC236}">
+                      <a16:creationId xmlns:a16="http://schemas.microsoft.com/office/drawing/2014/main" id="{EF8BBCF3-9DA0-4882-8368-39E6ECEE6410}"/>
+                    </a:ext>
+                  </a:extLst>
+                </p:cNvPr>
+                <p:cNvSpPr txBox="1"/>
+                <p:nvPr/>
+              </p:nvSpPr>
+              <p:spPr>
+                <a:xfrm>
+                  <a:off x="3685600" y="2557601"/>
+                  <a:ext cx="462434" cy="369332"/>
+                </a:xfrm>
+                <a:prstGeom prst="rect">
+                  <a:avLst/>
+                </a:prstGeom>
+                <a:noFill/>
+              </p:spPr>
+              <p:txBody>
+                <a:bodyPr wrap="none" rtlCol="0">
+                  <a:spAutoFit/>
+                </a:bodyPr>
+                <a:lstStyle/>
+                <a:p>
+                  <a14:m>
+                    <m:oMathPara xmlns:m="http://schemas.openxmlformats.org/officeDocument/2006/math">
+                      <m:oMathParaPr>
+                        <m:jc m:val="centerGroup"/>
+                      </m:oMathParaPr>
+                      <m:oMath xmlns:m="http://schemas.openxmlformats.org/officeDocument/2006/math">
+                        <m:sSub>
+                          <m:sSubPr>
+                            <m:ctrlPr>
+                              <a:rPr lang="en-US" b="0" i="1" smtClean="0">
+                                <a:latin typeface="Cambria Math" panose="02040503050406030204" pitchFamily="18" charset="0"/>
+                              </a:rPr>
+                            </m:ctrlPr>
+                          </m:sSubPr>
+                          <m:e>
+                            <m:r>
+                              <a:rPr lang="en-US" b="0" i="1" smtClean="0">
+                                <a:latin typeface="Cambria Math" panose="02040503050406030204" pitchFamily="18" charset="0"/>
+                              </a:rPr>
+                              <m:t>𝑦</m:t>
+                            </m:r>
+                          </m:e>
+                          <m:sub>
+                            <m:r>
+                              <a:rPr lang="en-US" b="0" i="1" smtClean="0">
+                                <a:latin typeface="Cambria Math" panose="02040503050406030204" pitchFamily="18" charset="0"/>
+                              </a:rPr>
+                              <m:t>1</m:t>
+                            </m:r>
+                          </m:sub>
+                        </m:sSub>
+                      </m:oMath>
+                    </m:oMathPara>
+                  </a14:m>
+                  <a:endParaRPr lang="en-US" dirty="0"/>
+                </a:p>
+              </p:txBody>
+            </p:sp>
+          </mc:Choice>
+          <mc:Fallback>
+            <p:sp>
+              <p:nvSpPr>
+                <p:cNvPr id="24" name="TextBox 23">
+                  <a:extLst>
+                    <a:ext uri="{FF2B5EF4-FFF2-40B4-BE49-F238E27FC236}">
+                      <a16:creationId xmlns:a16="http://schemas.microsoft.com/office/drawing/2014/main" id="{EF8BBCF3-9DA0-4882-8368-39E6ECEE6410}"/>
+                    </a:ext>
+                  </a:extLst>
+                </p:cNvPr>
+                <p:cNvSpPr txBox="1">
+                  <a:spLocks noRot="1" noChangeAspect="1" noMove="1" noResize="1" noEditPoints="1" noAdjustHandles="1" noChangeArrowheads="1" noChangeShapeType="1" noTextEdit="1"/>
+                </p:cNvSpPr>
+                <p:nvPr/>
+              </p:nvSpPr>
+              <p:spPr>
+                <a:xfrm>
+                  <a:off x="3685600" y="2557601"/>
+                  <a:ext cx="462434" cy="369332"/>
+                </a:xfrm>
+                <a:prstGeom prst="rect">
+                  <a:avLst/>
+                </a:prstGeom>
+                <a:blipFill>
+                  <a:blip r:embed="rId6"/>
+                  <a:stretch>
+                    <a:fillRect b="-6667"/>
+                  </a:stretch>
+                </a:blipFill>
+              </p:spPr>
+              <p:txBody>
+                <a:bodyPr/>
+                <a:lstStyle/>
+                <a:p>
+                  <a:r>
+                    <a:rPr lang="en-US">
+                      <a:noFill/>
+                    </a:rPr>
+                    <a:t> </a:t>
+                  </a:r>
+                </a:p>
+              </p:txBody>
+            </p:sp>
+          </mc:Fallback>
+        </mc:AlternateContent>
+        <p:grpSp>
+          <p:nvGrpSpPr>
+            <p:cNvPr id="28" name="Group 27">
+              <a:extLst>
+                <a:ext uri="{FF2B5EF4-FFF2-40B4-BE49-F238E27FC236}">
+                  <a16:creationId xmlns:a16="http://schemas.microsoft.com/office/drawing/2014/main" id="{84BCBBF5-71C9-4CC4-BD34-74A74DEDA9D4}"/>
+                </a:ext>
+              </a:extLst>
+            </p:cNvPr>
+            <p:cNvGrpSpPr/>
+            <p:nvPr/>
+          </p:nvGrpSpPr>
+          <p:grpSpPr>
+            <a:xfrm>
+              <a:off x="4148776" y="2341354"/>
+              <a:ext cx="1809388" cy="1044660"/>
+              <a:chOff x="4148776" y="2341354"/>
+              <a:chExt cx="1809388" cy="1044660"/>
+            </a:xfrm>
+            <a:solidFill>
+              <a:srgbClr val="00B0F0"/>
+            </a:solidFill>
+          </p:grpSpPr>
+          <p:grpSp>
+            <p:nvGrpSpPr>
+              <p:cNvPr id="22" name="Group 21">
+                <a:extLst>
+                  <a:ext uri="{FF2B5EF4-FFF2-40B4-BE49-F238E27FC236}">
+                    <a16:creationId xmlns:a16="http://schemas.microsoft.com/office/drawing/2014/main" id="{CBB7C47C-D098-4709-9CF7-8C10F9D3E3B3}"/>
+                  </a:ext>
+                </a:extLst>
+              </p:cNvPr>
+              <p:cNvGrpSpPr/>
+              <p:nvPr/>
+            </p:nvGrpSpPr>
+            <p:grpSpPr>
+              <a:xfrm>
+                <a:off x="4148776" y="2341354"/>
+                <a:ext cx="500881" cy="518354"/>
+                <a:chOff x="1200759" y="2953841"/>
+                <a:chExt cx="500881" cy="518354"/>
+              </a:xfrm>
+              <a:grpFill/>
+            </p:grpSpPr>
+            <p:cxnSp>
+              <p:nvCxnSpPr>
+                <p:cNvPr id="20" name="Straight Arrow Connector 19">
+                  <a:extLst>
+                    <a:ext uri="{FF2B5EF4-FFF2-40B4-BE49-F238E27FC236}">
+                      <a16:creationId xmlns:a16="http://schemas.microsoft.com/office/drawing/2014/main" id="{CC897D45-1025-4523-902C-EF7385D8F6A2}"/>
+                    </a:ext>
+                  </a:extLst>
+                </p:cNvPr>
+                <p:cNvCxnSpPr/>
+                <p:nvPr/>
+              </p:nvCxnSpPr>
+              <p:spPr>
+                <a:xfrm>
+                  <a:off x="1229880" y="2953841"/>
+                  <a:ext cx="0" cy="518354"/>
+                </a:xfrm>
+                <a:prstGeom prst="straightConnector1">
+                  <a:avLst/>
+                </a:prstGeom>
+                <a:grpFill/>
+                <a:ln w="57150">
+                  <a:solidFill>
+                    <a:srgbClr val="00B0F0"/>
+                  </a:solidFill>
+                  <a:tailEnd type="triangle"/>
+                </a:ln>
+              </p:spPr>
+              <p:style>
+                <a:lnRef idx="1">
+                  <a:schemeClr val="accent1"/>
+                </a:lnRef>
+                <a:fillRef idx="0">
+                  <a:schemeClr val="accent1"/>
+                </a:fillRef>
+                <a:effectRef idx="0">
+                  <a:schemeClr val="accent1"/>
+                </a:effectRef>
+                <a:fontRef idx="minor">
+                  <a:schemeClr val="tx1"/>
+                </a:fontRef>
+              </p:style>
+            </p:cxnSp>
+            <p:cxnSp>
+              <p:nvCxnSpPr>
+                <p:cNvPr id="21" name="Straight Arrow Connector 20">
+                  <a:extLst>
+                    <a:ext uri="{FF2B5EF4-FFF2-40B4-BE49-F238E27FC236}">
+                      <a16:creationId xmlns:a16="http://schemas.microsoft.com/office/drawing/2014/main" id="{149102A0-B6B7-4AD6-B336-16BE283BF448}"/>
+                    </a:ext>
+                  </a:extLst>
+                </p:cNvPr>
+                <p:cNvCxnSpPr>
+                  <a:cxnSpLocks/>
+                </p:cNvCxnSpPr>
+                <p:nvPr/>
+              </p:nvCxnSpPr>
+              <p:spPr>
+                <a:xfrm>
+                  <a:off x="1200759" y="2953841"/>
+                  <a:ext cx="500881" cy="0"/>
+                </a:xfrm>
+                <a:prstGeom prst="straightConnector1">
+                  <a:avLst/>
+                </a:prstGeom>
+                <a:grpFill/>
+                <a:ln w="57150">
+                  <a:solidFill>
+                    <a:srgbClr val="00B0F0"/>
+                  </a:solidFill>
+                  <a:tailEnd type="triangle"/>
+                </a:ln>
+              </p:spPr>
+              <p:style>
+                <a:lnRef idx="1">
+                  <a:schemeClr val="accent1"/>
+                </a:lnRef>
+                <a:fillRef idx="0">
+                  <a:schemeClr val="accent1"/>
+                </a:fillRef>
+                <a:effectRef idx="0">
+                  <a:schemeClr val="accent1"/>
+                </a:effectRef>
+                <a:fontRef idx="minor">
+                  <a:schemeClr val="tx1"/>
+                </a:fontRef>
+              </p:style>
+            </p:cxnSp>
+          </p:grpSp>
+          <p:sp>
+            <p:nvSpPr>
+              <p:cNvPr id="26" name="Oval 25">
+                <a:extLst>
+                  <a:ext uri="{FF2B5EF4-FFF2-40B4-BE49-F238E27FC236}">
+                    <a16:creationId xmlns:a16="http://schemas.microsoft.com/office/drawing/2014/main" id="{EEF5A0D4-722B-41A0-98B6-DD800104CD3A}"/>
+                  </a:ext>
+                </a:extLst>
+              </p:cNvPr>
+              <p:cNvSpPr/>
+              <p:nvPr/>
+            </p:nvSpPr>
+            <p:spPr>
+              <a:xfrm>
+                <a:off x="5870800" y="3298650"/>
+                <a:ext cx="87364" cy="87364"/>
+              </a:xfrm>
+              <a:prstGeom prst="ellipse">
+                <a:avLst/>
+              </a:prstGeom>
+              <a:grpFill/>
+              <a:ln>
+                <a:solidFill>
+                  <a:srgbClr val="00B0F0"/>
+                </a:solidFill>
+              </a:ln>
+            </p:spPr>
+            <p:style>
+              <a:lnRef idx="2">
+                <a:schemeClr val="accent1">
+                  <a:shade val="50000"/>
+                </a:schemeClr>
+              </a:lnRef>
+              <a:fillRef idx="1">
+                <a:schemeClr val="accent1"/>
+              </a:fillRef>
+              <a:effectRef idx="0">
+                <a:schemeClr val="accent1"/>
+              </a:effectRef>
+              <a:fontRef idx="minor">
+                <a:schemeClr val="lt1"/>
+              </a:fontRef>
+            </p:style>
+            <p:txBody>
+              <a:bodyPr rtlCol="0" anchor="ctr"/>
+              <a:lstStyle/>
+              <a:p>
+                <a:pPr algn="ctr"/>
+                <a:endParaRPr lang="en-US"/>
+              </a:p>
+            </p:txBody>
+          </p:sp>
+        </p:grpSp>
+        <mc:AlternateContent xmlns:mc="http://schemas.openxmlformats.org/markup-compatibility/2006">
+          <mc:Choice xmlns:a14="http://schemas.microsoft.com/office/drawing/2010/main" Requires="a14">
+            <p:sp>
+              <p:nvSpPr>
+                <p:cNvPr id="25" name="TextBox 24">
+                  <a:extLst>
+                    <a:ext uri="{FF2B5EF4-FFF2-40B4-BE49-F238E27FC236}">
+                      <a16:creationId xmlns:a16="http://schemas.microsoft.com/office/drawing/2014/main" id="{E00E1D2D-5929-48C1-BB9D-67C93A30AA13}"/>
+                    </a:ext>
+                  </a:extLst>
+                </p:cNvPr>
+                <p:cNvSpPr txBox="1"/>
+                <p:nvPr/>
+              </p:nvSpPr>
+              <p:spPr>
+                <a:xfrm>
+                  <a:off x="5285720" y="2900411"/>
+                  <a:ext cx="1257524" cy="391261"/>
+                </a:xfrm>
+                <a:prstGeom prst="rect">
+                  <a:avLst/>
+                </a:prstGeom>
+                <a:noFill/>
+              </p:spPr>
+              <p:txBody>
+                <a:bodyPr wrap="none" rtlCol="0">
+                  <a:spAutoFit/>
+                </a:bodyPr>
+                <a:lstStyle/>
+                <a:p>
+                  <a14:m>
+                    <m:oMathPara xmlns:m="http://schemas.openxmlformats.org/officeDocument/2006/math">
+                      <m:oMathParaPr>
+                        <m:jc m:val="centerGroup"/>
+                      </m:oMathParaPr>
+                      <m:oMath xmlns:m="http://schemas.openxmlformats.org/officeDocument/2006/math">
+                        <m:r>
+                          <a:rPr lang="en-US" b="0" i="1" smtClean="0">
+                            <a:latin typeface="Cambria Math" panose="02040503050406030204" pitchFamily="18" charset="0"/>
+                          </a:rPr>
+                          <m:t>(</m:t>
+                        </m:r>
+                        <m:sSub>
+                          <m:sSubPr>
+                            <m:ctrlPr>
+                              <a:rPr lang="en-US" b="0" i="1" smtClean="0">
+                                <a:latin typeface="Cambria Math" panose="02040503050406030204" pitchFamily="18" charset="0"/>
+                              </a:rPr>
+                            </m:ctrlPr>
+                          </m:sSubPr>
+                          <m:e>
+                            <m:r>
+                              <a:rPr lang="en-US" b="0" i="1" smtClean="0">
+                                <a:latin typeface="Cambria Math" panose="02040503050406030204" pitchFamily="18" charset="0"/>
+                              </a:rPr>
+                              <m:t>𝜆</m:t>
+                            </m:r>
+                          </m:e>
+                          <m:sub>
+                            <m:r>
+                              <a:rPr lang="en-US" b="0" i="1" smtClean="0">
+                                <a:latin typeface="Cambria Math" panose="02040503050406030204" pitchFamily="18" charset="0"/>
+                              </a:rPr>
+                              <m:t>𝑥</m:t>
+                            </m:r>
+                            <m:r>
+                              <a:rPr lang="en-US" b="0" i="1" smtClean="0">
+                                <a:latin typeface="Cambria Math" panose="02040503050406030204" pitchFamily="18" charset="0"/>
+                              </a:rPr>
+                              <m:t>,1</m:t>
+                            </m:r>
+                          </m:sub>
+                        </m:sSub>
+                        <m:r>
+                          <a:rPr lang="en-US" b="0" i="1" smtClean="0">
+                            <a:latin typeface="Cambria Math" panose="02040503050406030204" pitchFamily="18" charset="0"/>
+                          </a:rPr>
+                          <m:t>, </m:t>
+                        </m:r>
+                        <m:sSub>
+                          <m:sSubPr>
+                            <m:ctrlPr>
+                              <a:rPr lang="en-US" b="0" i="1" smtClean="0">
+                                <a:latin typeface="Cambria Math" panose="02040503050406030204" pitchFamily="18" charset="0"/>
+                              </a:rPr>
+                            </m:ctrlPr>
+                          </m:sSubPr>
+                          <m:e>
+                            <m:r>
+                              <a:rPr lang="en-US" b="0" i="1" smtClean="0">
+                                <a:latin typeface="Cambria Math" panose="02040503050406030204" pitchFamily="18" charset="0"/>
+                              </a:rPr>
+                              <m:t>𝜆</m:t>
+                            </m:r>
+                          </m:e>
+                          <m:sub>
+                            <m:r>
+                              <a:rPr lang="en-US" b="0" i="1" smtClean="0">
+                                <a:latin typeface="Cambria Math" panose="02040503050406030204" pitchFamily="18" charset="0"/>
+                              </a:rPr>
+                              <m:t>𝑦</m:t>
+                            </m:r>
+                            <m:r>
+                              <a:rPr lang="en-US" b="0" i="1" smtClean="0">
+                                <a:latin typeface="Cambria Math" panose="02040503050406030204" pitchFamily="18" charset="0"/>
+                              </a:rPr>
+                              <m:t>,1</m:t>
+                            </m:r>
+                          </m:sub>
+                        </m:sSub>
+                        <m:r>
+                          <a:rPr lang="en-US" b="0" i="1" smtClean="0">
+                            <a:latin typeface="Cambria Math" panose="02040503050406030204" pitchFamily="18" charset="0"/>
+                          </a:rPr>
+                          <m:t>)</m:t>
+                        </m:r>
+                      </m:oMath>
+                    </m:oMathPara>
+                  </a14:m>
+                  <a:endParaRPr lang="en-US" dirty="0"/>
+                </a:p>
+              </p:txBody>
+            </p:sp>
+          </mc:Choice>
+          <mc:Fallback>
+            <p:sp>
+              <p:nvSpPr>
+                <p:cNvPr id="25" name="TextBox 24">
+                  <a:extLst>
+                    <a:ext uri="{FF2B5EF4-FFF2-40B4-BE49-F238E27FC236}">
+                      <a16:creationId xmlns:a16="http://schemas.microsoft.com/office/drawing/2014/main" id="{E00E1D2D-5929-48C1-BB9D-67C93A30AA13}"/>
+                    </a:ext>
+                  </a:extLst>
+                </p:cNvPr>
+                <p:cNvSpPr txBox="1">
+                  <a:spLocks noRot="1" noChangeAspect="1" noMove="1" noResize="1" noEditPoints="1" noAdjustHandles="1" noChangeArrowheads="1" noChangeShapeType="1" noTextEdit="1"/>
+                </p:cNvSpPr>
+                <p:nvPr/>
+              </p:nvSpPr>
+              <p:spPr>
+                <a:xfrm>
+                  <a:off x="5285720" y="2900411"/>
+                  <a:ext cx="1257524" cy="391261"/>
+                </a:xfrm>
+                <a:prstGeom prst="rect">
+                  <a:avLst/>
+                </a:prstGeom>
+                <a:blipFill>
+                  <a:blip r:embed="rId7"/>
+                  <a:stretch>
+                    <a:fillRect b="-7813"/>
+                  </a:stretch>
+                </a:blipFill>
+              </p:spPr>
+              <p:txBody>
+                <a:bodyPr/>
+                <a:lstStyle/>
+                <a:p>
+                  <a:r>
+                    <a:rPr lang="en-US">
+                      <a:noFill/>
+                    </a:rPr>
+                    <a:t> </a:t>
+                  </a:r>
+                </a:p>
+              </p:txBody>
+            </p:sp>
+          </mc:Fallback>
+        </mc:AlternateContent>
+        <p:grpSp>
+          <p:nvGrpSpPr>
+            <p:cNvPr id="27" name="Group 26">
+              <a:extLst>
+                <a:ext uri="{FF2B5EF4-FFF2-40B4-BE49-F238E27FC236}">
+                  <a16:creationId xmlns:a16="http://schemas.microsoft.com/office/drawing/2014/main" id="{6284B83C-A744-48DC-B4C8-6189FB9351C2}"/>
+                </a:ext>
+              </a:extLst>
+            </p:cNvPr>
+            <p:cNvGrpSpPr/>
+            <p:nvPr/>
+          </p:nvGrpSpPr>
+          <p:grpSpPr>
+            <a:xfrm>
+              <a:off x="2696608" y="768794"/>
+              <a:ext cx="1522060" cy="1618156"/>
+              <a:chOff x="2696608" y="768794"/>
+              <a:chExt cx="1522060" cy="1618156"/>
+            </a:xfrm>
+            <a:solidFill>
+              <a:schemeClr val="accent2"/>
+            </a:solidFill>
+          </p:grpSpPr>
+          <p:cxnSp>
+            <p:nvCxnSpPr>
+              <p:cNvPr id="9" name="Straight Arrow Connector 8">
+                <a:extLst>
+                  <a:ext uri="{FF2B5EF4-FFF2-40B4-BE49-F238E27FC236}">
+                    <a16:creationId xmlns:a16="http://schemas.microsoft.com/office/drawing/2014/main" id="{9AD78007-F09A-4196-8E63-40B802830F31}"/>
+                  </a:ext>
+                </a:extLst>
+              </p:cNvPr>
+              <p:cNvCxnSpPr/>
+              <p:nvPr/>
+            </p:nvCxnSpPr>
+            <p:spPr>
+              <a:xfrm>
+                <a:off x="2725729" y="768794"/>
+                <a:ext cx="0" cy="518354"/>
+              </a:xfrm>
+              <a:prstGeom prst="straightConnector1">
+                <a:avLst/>
+              </a:prstGeom>
+              <a:grpFill/>
+              <a:ln w="57150">
+                <a:solidFill>
+                  <a:schemeClr val="accent2"/>
+                </a:solidFill>
+                <a:tailEnd type="triangle"/>
+              </a:ln>
+            </p:spPr>
+            <p:style>
+              <a:lnRef idx="1">
+                <a:schemeClr val="accent1"/>
+              </a:lnRef>
+              <a:fillRef idx="0">
+                <a:schemeClr val="accent1"/>
+              </a:fillRef>
+              <a:effectRef idx="0">
+                <a:schemeClr val="accent1"/>
+              </a:effectRef>
+              <a:fontRef idx="minor">
+                <a:schemeClr val="tx1"/>
+              </a:fontRef>
+            </p:style>
+          </p:cxnSp>
+          <p:cxnSp>
+            <p:nvCxnSpPr>
+              <p:cNvPr id="10" name="Straight Arrow Connector 9">
+                <a:extLst>
+                  <a:ext uri="{FF2B5EF4-FFF2-40B4-BE49-F238E27FC236}">
+                    <a16:creationId xmlns:a16="http://schemas.microsoft.com/office/drawing/2014/main" id="{69495FB9-DFD6-477C-9F9F-B0B913EF21DA}"/>
+                  </a:ext>
+                </a:extLst>
+              </p:cNvPr>
+              <p:cNvCxnSpPr>
+                <a:cxnSpLocks/>
+              </p:cNvCxnSpPr>
+              <p:nvPr/>
+            </p:nvCxnSpPr>
+            <p:spPr>
+              <a:xfrm>
+                <a:off x="2696608" y="768794"/>
+                <a:ext cx="500881" cy="0"/>
+              </a:xfrm>
+              <a:prstGeom prst="straightConnector1">
+                <a:avLst/>
+              </a:prstGeom>
+              <a:grpFill/>
+              <a:ln w="57150">
+                <a:solidFill>
+                  <a:schemeClr val="accent2"/>
+                </a:solidFill>
+                <a:tailEnd type="triangle"/>
+              </a:ln>
+            </p:spPr>
+            <p:style>
+              <a:lnRef idx="1">
+                <a:schemeClr val="accent1"/>
+              </a:lnRef>
+              <a:fillRef idx="0">
+                <a:schemeClr val="accent1"/>
+              </a:fillRef>
+              <a:effectRef idx="0">
+                <a:schemeClr val="accent1"/>
+              </a:effectRef>
+              <a:fontRef idx="minor">
+                <a:schemeClr val="tx1"/>
+              </a:fontRef>
+            </p:style>
+          </p:cxnSp>
+          <p:sp>
+            <p:nvSpPr>
+              <p:cNvPr id="16" name="Oval 15">
+                <a:extLst>
+                  <a:ext uri="{FF2B5EF4-FFF2-40B4-BE49-F238E27FC236}">
+                    <a16:creationId xmlns:a16="http://schemas.microsoft.com/office/drawing/2014/main" id="{9DCE945B-295C-40CF-81AE-464C05F8E8ED}"/>
+                  </a:ext>
+                </a:extLst>
+              </p:cNvPr>
+              <p:cNvSpPr/>
+              <p:nvPr/>
+            </p:nvSpPr>
+            <p:spPr>
+              <a:xfrm>
+                <a:off x="4131304" y="2299586"/>
+                <a:ext cx="87364" cy="87364"/>
+              </a:xfrm>
+              <a:prstGeom prst="ellipse">
+                <a:avLst/>
+              </a:prstGeom>
+              <a:grpFill/>
+              <a:ln>
+                <a:solidFill>
+                  <a:schemeClr val="accent2"/>
+                </a:solidFill>
+              </a:ln>
+            </p:spPr>
+            <p:style>
+              <a:lnRef idx="2">
+                <a:schemeClr val="accent1">
+                  <a:shade val="50000"/>
+                </a:schemeClr>
+              </a:lnRef>
+              <a:fillRef idx="1">
+                <a:schemeClr val="accent1"/>
+              </a:fillRef>
+              <a:effectRef idx="0">
+                <a:schemeClr val="accent1"/>
+              </a:effectRef>
+              <a:fontRef idx="minor">
+                <a:schemeClr val="lt1"/>
+              </a:fontRef>
+            </p:style>
+            <p:txBody>
+              <a:bodyPr rtlCol="0" anchor="ctr"/>
+              <a:lstStyle/>
+              <a:p>
+                <a:pPr algn="ctr"/>
+                <a:endParaRPr lang="en-US"/>
+              </a:p>
+            </p:txBody>
+          </p:sp>
+        </p:grpSp>
+      </p:grpSp>
+    </p:spTree>
+    <p:extLst>
+      <p:ext uri="{BB962C8B-B14F-4D97-AF65-F5344CB8AC3E}">
+        <p14:creationId xmlns:p14="http://schemas.microsoft.com/office/powerpoint/2010/main" val="3601252337"/>
+      </p:ext>
+    </p:extLst>
+  </p:cSld>
+  <p:clrMapOvr>
+    <a:masterClrMapping/>
+  </p:clrMapOvr>
+</p:sld>
+</file>
+
 <file path=ppt/theme/theme1.xml><?xml version="1.0" encoding="utf-8"?>
 <a:theme xmlns:a="http://schemas.openxmlformats.org/drawingml/2006/main" name="Office Theme">
   <a:themeElements>
